--- a/assets/image/2017-01-20-benchmark-for-some-popular-di-containers/results.pptx
+++ b/assets/image/2017-01-20-benchmark-for-some-popular-di-containers/results.pptx
@@ -261,7 +261,7 @@
           <a:p>
             <a:fld id="{48A87A34-81AB-432B-8DAE-1953F412C126}" type="datetimeFigureOut">
               <a:rPr lang="en-US" smtClean="0"/>
-              <a:t>1/19/17</a:t>
+              <a:t>1/20/17</a:t>
             </a:fld>
             <a:endParaRPr lang="en-US" dirty="0"/>
           </a:p>
@@ -431,7 +431,7 @@
           <a:p>
             <a:fld id="{48A87A34-81AB-432B-8DAE-1953F412C126}" type="datetimeFigureOut">
               <a:rPr lang="en-US" smtClean="0"/>
-              <a:t>1/19/17</a:t>
+              <a:t>1/20/17</a:t>
             </a:fld>
             <a:endParaRPr lang="en-US" dirty="0"/>
           </a:p>
@@ -612,7 +612,7 @@
             <a:fld id="{48A87A34-81AB-432B-8DAE-1953F412C126}" type="datetimeFigureOut">
               <a:rPr lang="en-US" smtClean="0"/>
               <a:pPr/>
-              <a:t>1/19/17</a:t>
+              <a:t>1/20/17</a:t>
             </a:fld>
             <a:endParaRPr lang="en-US" dirty="0"/>
           </a:p>
@@ -782,7 +782,7 @@
           <a:p>
             <a:fld id="{48A87A34-81AB-432B-8DAE-1953F412C126}" type="datetimeFigureOut">
               <a:rPr lang="en-US" smtClean="0"/>
-              <a:t>1/19/17</a:t>
+              <a:t>1/20/17</a:t>
             </a:fld>
             <a:endParaRPr lang="en-US" dirty="0"/>
           </a:p>
@@ -1029,7 +1029,7 @@
             <a:fld id="{48A87A34-81AB-432B-8DAE-1953F412C126}" type="datetimeFigureOut">
               <a:rPr lang="en-US" smtClean="0"/>
               <a:pPr/>
-              <a:t>1/19/17</a:t>
+              <a:t>1/20/17</a:t>
             </a:fld>
             <a:endParaRPr lang="en-US" dirty="0"/>
           </a:p>
@@ -1261,7 +1261,7 @@
           <a:p>
             <a:fld id="{48A87A34-81AB-432B-8DAE-1953F412C126}" type="datetimeFigureOut">
               <a:rPr lang="en-US" smtClean="0"/>
-              <a:t>1/19/17</a:t>
+              <a:t>1/20/17</a:t>
             </a:fld>
             <a:endParaRPr lang="en-US" dirty="0"/>
           </a:p>
@@ -1628,7 +1628,7 @@
           <a:p>
             <a:fld id="{48A87A34-81AB-432B-8DAE-1953F412C126}" type="datetimeFigureOut">
               <a:rPr lang="en-US" smtClean="0"/>
-              <a:t>1/19/17</a:t>
+              <a:t>1/20/17</a:t>
             </a:fld>
             <a:endParaRPr lang="en-US" dirty="0"/>
           </a:p>
@@ -1746,7 +1746,7 @@
           <a:p>
             <a:fld id="{48A87A34-81AB-432B-8DAE-1953F412C126}" type="datetimeFigureOut">
               <a:rPr lang="en-US" smtClean="0"/>
-              <a:t>1/19/17</a:t>
+              <a:t>1/20/17</a:t>
             </a:fld>
             <a:endParaRPr lang="en-US" dirty="0"/>
           </a:p>
@@ -1841,7 +1841,7 @@
           <a:p>
             <a:fld id="{48A87A34-81AB-432B-8DAE-1953F412C126}" type="datetimeFigureOut">
               <a:rPr lang="en-US" smtClean="0"/>
-              <a:t>1/19/17</a:t>
+              <a:t>1/20/17</a:t>
             </a:fld>
             <a:endParaRPr lang="en-US" dirty="0"/>
           </a:p>
@@ -2118,7 +2118,7 @@
           <a:p>
             <a:fld id="{48A87A34-81AB-432B-8DAE-1953F412C126}" type="datetimeFigureOut">
               <a:rPr lang="en-US" smtClean="0"/>
-              <a:t>1/19/17</a:t>
+              <a:t>1/20/17</a:t>
             </a:fld>
             <a:endParaRPr lang="en-US" dirty="0"/>
           </a:p>
@@ -2371,7 +2371,7 @@
           <a:p>
             <a:fld id="{48A87A34-81AB-432B-8DAE-1953F412C126}" type="datetimeFigureOut">
               <a:rPr lang="en-US" smtClean="0"/>
-              <a:t>1/19/17</a:t>
+              <a:t>1/20/17</a:t>
             </a:fld>
             <a:endParaRPr lang="en-US" dirty="0"/>
           </a:p>
@@ -2585,7 +2585,7 @@
             <a:fld id="{48A87A34-81AB-432B-8DAE-1953F412C126}" type="datetimeFigureOut">
               <a:rPr lang="en-US" smtClean="0"/>
               <a:pPr/>
-              <a:t>1/19/17</a:t>
+              <a:t>1/20/17</a:t>
             </a:fld>
             <a:endParaRPr lang="en-US" dirty="0"/>
           </a:p>
@@ -3001,14 +3001,14 @@
             <p:ph idx="1"/>
             <p:extLst>
               <p:ext uri="{D42A27DB-BD31-4B8C-83A1-F6EECF244321}">
-                <p14:modId xmlns:p14="http://schemas.microsoft.com/office/powerpoint/2010/main" val="984211206"/>
+                <p14:modId xmlns:p14="http://schemas.microsoft.com/office/powerpoint/2010/main" val="1596615225"/>
               </p:ext>
             </p:extLst>
           </p:nvPr>
         </p:nvGraphicFramePr>
         <p:xfrm>
           <a:off x="0" y="35625"/>
-          <a:ext cx="8063345" cy="6822375"/>
+          <a:ext cx="10117777" cy="6822375"/>
         </p:xfrm>
         <a:graphic>
           <a:graphicData uri="http://schemas.openxmlformats.org/drawingml/2006/table">
@@ -3017,10 +3017,10 @@
                 <a:tableStyleId>{5C22544A-7EE6-4342-B048-85BDC9FD1C3A}</a:tableStyleId>
               </a:tblPr>
               <a:tblGrid>
-                <a:gridCol w="653143"/>
-                <a:gridCol w="2755075"/>
-                <a:gridCol w="2161309"/>
-                <a:gridCol w="2493818"/>
+                <a:gridCol w="819556"/>
+                <a:gridCol w="3457030"/>
+                <a:gridCol w="2711981"/>
+                <a:gridCol w="3129210"/>
               </a:tblGrid>
               <a:tr h="700311">
                 <a:tc>
